--- a/tutorial.pptx
+++ b/tutorial.pptx
@@ -7,13 +7,14 @@
   <p:sldIdLst>
     <p:sldId id="256" r:id="rId2"/>
     <p:sldId id="257" r:id="rId3"/>
-    <p:sldId id="258" r:id="rId4"/>
-    <p:sldId id="259" r:id="rId5"/>
-    <p:sldId id="260" r:id="rId6"/>
-    <p:sldId id="261" r:id="rId7"/>
-    <p:sldId id="262" r:id="rId8"/>
-    <p:sldId id="263" r:id="rId9"/>
-    <p:sldId id="264" r:id="rId10"/>
+    <p:sldId id="265" r:id="rId4"/>
+    <p:sldId id="258" r:id="rId5"/>
+    <p:sldId id="259" r:id="rId6"/>
+    <p:sldId id="260" r:id="rId7"/>
+    <p:sldId id="261" r:id="rId8"/>
+    <p:sldId id="262" r:id="rId9"/>
+    <p:sldId id="263" r:id="rId10"/>
+    <p:sldId id="264" r:id="rId11"/>
   </p:sldIdLst>
   <p:sldSz cx="9144000" cy="6858000" type="screen4x3"/>
   <p:notesSz cx="6858000" cy="9144000"/>
@@ -369,7 +370,7 @@
             <a:fld id="{34D8DEE8-7A87-4E01-8ADE-4C49CDD43F74}" type="datetime1">
               <a:rPr lang="en-US" smtClean="0"/>
               <a:pPr/>
-              <a:t>3/19/15</a:t>
+              <a:t>3/20/15</a:t>
             </a:fld>
             <a:endParaRPr lang="en-US" dirty="0"/>
           </a:p>
@@ -585,7 +586,7 @@
             <a:fld id="{7F8F9461-E3EB-40CD-B93F-E5CBBBD8E0BA}" type="datetimeFigureOut">
               <a:rPr lang="en-US" smtClean="0"/>
               <a:pPr/>
-              <a:t>3/19/15</a:t>
+              <a:t>3/20/15</a:t>
             </a:fld>
             <a:endParaRPr lang="en-US"/>
           </a:p>
@@ -854,7 +855,7 @@
             <a:fld id="{60578FA3-38AD-400D-A4D2-18E8EF129E5F}" type="datetime1">
               <a:rPr lang="en-US" smtClean="0"/>
               <a:pPr/>
-              <a:t>3/19/15</a:t>
+              <a:t>3/20/15</a:t>
             </a:fld>
             <a:endParaRPr lang="en-US"/>
           </a:p>
@@ -1006,7 +1007,7 @@
             <a:fld id="{A2EFF424-F111-43CB-9C75-D52325012943}" type="datetime1">
               <a:rPr lang="en-US" smtClean="0"/>
               <a:pPr/>
-              <a:t>3/19/15</a:t>
+              <a:t>3/20/15</a:t>
             </a:fld>
             <a:endParaRPr lang="en-US"/>
           </a:p>
@@ -1338,7 +1339,7 @@
             <a:fld id="{74A8BBF0-342D-409A-9C0A-B1B451E92883}" type="datetime1">
               <a:rPr lang="en-US" smtClean="0"/>
               <a:pPr/>
-              <a:t>3/19/15</a:t>
+              <a:t>3/20/15</a:t>
             </a:fld>
             <a:endParaRPr lang="en-US" dirty="0"/>
           </a:p>
@@ -1649,7 +1650,7 @@
             <a:fld id="{345DA190-4BDC-4D39-B5BB-A14B3E8B1B3D}" type="datetime1">
               <a:rPr lang="en-US" smtClean="0"/>
               <a:pPr/>
-              <a:t>3/19/15</a:t>
+              <a:t>3/20/15</a:t>
             </a:fld>
             <a:endParaRPr lang="en-US"/>
           </a:p>
@@ -2072,7 +2073,7 @@
             <a:fld id="{581D52F2-9B11-4FC0-9217-7D20B3AC9849}" type="datetime1">
               <a:rPr lang="en-US" smtClean="0"/>
               <a:pPr/>
-              <a:t>3/19/15</a:t>
+              <a:t>3/20/15</a:t>
             </a:fld>
             <a:endParaRPr lang="en-US"/>
           </a:p>
@@ -2187,7 +2188,7 @@
             <a:fld id="{4CF13737-8506-438E-ABC0-0BE7E06DCCA6}" type="datetime1">
               <a:rPr lang="en-US" smtClean="0"/>
               <a:pPr/>
-              <a:t>3/19/15</a:t>
+              <a:t>3/20/15</a:t>
             </a:fld>
             <a:endParaRPr lang="en-US"/>
           </a:p>
@@ -2348,7 +2349,7 @@
             <a:fld id="{941D58AA-1C84-40C9-BFEE-631CCB17636C}" type="datetime1">
               <a:rPr lang="en-US" smtClean="0"/>
               <a:pPr/>
-              <a:t>3/19/15</a:t>
+              <a:t>3/20/15</a:t>
             </a:fld>
             <a:endParaRPr lang="en-US"/>
           </a:p>
@@ -2734,7 +2735,7 @@
             <a:fld id="{936542C1-4E96-413B-B72E-6C4B39D85C9D}" type="datetime1">
               <a:rPr lang="en-US" smtClean="0"/>
               <a:pPr/>
-              <a:t>3/19/15</a:t>
+              <a:t>3/20/15</a:t>
             </a:fld>
             <a:endParaRPr lang="en-US"/>
           </a:p>
@@ -3098,7 +3099,7 @@
             <a:fld id="{F0542AA2-D442-471A-9D69-80392E1E581D}" type="datetime1">
               <a:rPr lang="en-US" smtClean="0"/>
               <a:pPr/>
-              <a:t>3/19/15</a:t>
+              <a:t>3/20/15</a:t>
             </a:fld>
             <a:endParaRPr lang="en-US" dirty="0"/>
           </a:p>
@@ -3434,7 +3435,7 @@
             <a:fld id="{EC43563C-D9B3-4432-B336-144C997D6215}" type="datetime1">
               <a:rPr lang="en-US" smtClean="0"/>
               <a:pPr/>
-              <a:t>3/19/15</a:t>
+              <a:t>3/20/15</a:t>
             </a:fld>
             <a:endParaRPr lang="en-US" dirty="0"/>
           </a:p>
@@ -3892,6 +3893,131 @@
 </p:sld>
 </file>
 
+<file path=ppt/slides/slide10.xml><?xml version="1.0" encoding="utf-8"?>
+<p:sld xmlns:a="http://schemas.openxmlformats.org/drawingml/2006/main" xmlns:r="http://schemas.openxmlformats.org/officeDocument/2006/relationships" xmlns:p="http://schemas.openxmlformats.org/presentationml/2006/main">
+  <p:cSld>
+    <p:spTree>
+      <p:nvGrpSpPr>
+        <p:cNvPr id="1" name=""/>
+        <p:cNvGrpSpPr/>
+        <p:nvPr/>
+      </p:nvGrpSpPr>
+      <p:grpSpPr>
+        <a:xfrm>
+          <a:off x="0" y="0"/>
+          <a:ext cx="0" cy="0"/>
+          <a:chOff x="0" y="0"/>
+          <a:chExt cx="0" cy="0"/>
+        </a:xfrm>
+      </p:grpSpPr>
+      <p:sp>
+        <p:nvSpPr>
+          <p:cNvPr id="2" name="Content Placeholder 1"/>
+          <p:cNvSpPr>
+            <a:spLocks noGrp="1"/>
+          </p:cNvSpPr>
+          <p:nvPr>
+            <p:ph idx="1"/>
+          </p:nvPr>
+        </p:nvSpPr>
+        <p:spPr/>
+        <p:txBody>
+          <a:bodyPr>
+            <a:normAutofit/>
+          </a:bodyPr>
+          <a:lstStyle/>
+          <a:p>
+            <a:r>
+              <a:rPr lang="en-US" sz="2400" dirty="0" smtClean="0"/>
+              <a:t>After the program is run, the EMR cluster will be terminated</a:t>
+            </a:r>
+          </a:p>
+          <a:p>
+            <a:r>
+              <a:rPr lang="en-US" sz="2400" dirty="0" smtClean="0"/>
+              <a:t>The output folder in the S3 bucket will have the results</a:t>
+            </a:r>
+          </a:p>
+          <a:p>
+            <a:pPr lvl="1"/>
+            <a:r>
+              <a:rPr lang="en-US" sz="2400" dirty="0"/>
+              <a:t>_SUCCESS and several part-</a:t>
+            </a:r>
+            <a:r>
+              <a:rPr lang="en-US" sz="2400" dirty="0" err="1" smtClean="0"/>
+              <a:t>xxxxx</a:t>
+            </a:r>
+            <a:endParaRPr lang="en-US" sz="2400" dirty="0" smtClean="0"/>
+          </a:p>
+          <a:p>
+            <a:pPr lvl="1"/>
+            <a:endParaRPr lang="en-US" sz="2400" dirty="0" smtClean="0"/>
+          </a:p>
+          <a:p>
+            <a:pPr lvl="1"/>
+            <a:r>
+              <a:rPr lang="en-US" sz="2400" dirty="0"/>
+              <a:t>kindle: negative      13</a:t>
+            </a:r>
+          </a:p>
+          <a:p>
+            <a:pPr lvl="1"/>
+            <a:r>
+              <a:rPr lang="en-US" sz="2400" dirty="0"/>
+              <a:t>kindle: positive     479</a:t>
+            </a:r>
+          </a:p>
+          <a:p>
+            <a:pPr lvl="1"/>
+            <a:r>
+              <a:rPr lang="pt-BR" sz="2400" dirty="0"/>
+              <a:t>No match:              8</a:t>
+            </a:r>
+            <a:endParaRPr lang="en-US" sz="2400" dirty="0"/>
+          </a:p>
+        </p:txBody>
+      </p:sp>
+      <p:sp>
+        <p:nvSpPr>
+          <p:cNvPr id="3" name="Title 2"/>
+          <p:cNvSpPr>
+            <a:spLocks noGrp="1"/>
+          </p:cNvSpPr>
+          <p:nvPr>
+            <p:ph type="title"/>
+          </p:nvPr>
+        </p:nvSpPr>
+        <p:spPr/>
+        <p:txBody>
+          <a:bodyPr/>
+          <a:lstStyle/>
+          <a:p>
+            <a:r>
+              <a:rPr lang="en-US" dirty="0"/>
+              <a:t>Step 6: Examine the Sentiment Analysis </a:t>
+            </a:r>
+            <a:r>
+              <a:rPr lang="en-US" dirty="0" smtClean="0"/>
+              <a:t>Output</a:t>
+            </a:r>
+            <a:endParaRPr lang="en-US" dirty="0"/>
+          </a:p>
+        </p:txBody>
+      </p:sp>
+    </p:spTree>
+    <p:extLst>
+      <p:ext uri="{BB962C8B-B14F-4D97-AF65-F5344CB8AC3E}">
+        <p14:creationId xmlns:p14="http://schemas.microsoft.com/office/powerpoint/2010/main" val="1307588714"/>
+      </p:ext>
+    </p:extLst>
+  </p:cSld>
+  <p:clrMapOvr>
+    <a:masterClrMapping/>
+  </p:clrMapOvr>
+</p:sld>
+</file>
+
 <file path=ppt/slides/slide2.xml><?xml version="1.0" encoding="utf-8"?>
 <p:sld xmlns:a="http://schemas.openxmlformats.org/drawingml/2006/main" xmlns:r="http://schemas.openxmlformats.org/officeDocument/2006/relationships" xmlns:p="http://schemas.openxmlformats.org/presentationml/2006/main">
   <p:cSld>
@@ -4030,51 +4156,55 @@
         <p:spPr/>
         <p:txBody>
           <a:bodyPr>
-            <a:noAutofit/>
+            <a:normAutofit lnSpcReduction="10000"/>
           </a:bodyPr>
           <a:lstStyle/>
           <a:p>
             <a:r>
+              <a:rPr lang="en-US" sz="2800" dirty="0" smtClean="0"/>
+              <a:t>Initial release 2001</a:t>
+            </a:r>
+          </a:p>
+          <a:p>
+            <a:r>
+              <a:rPr lang="en-US" sz="2800" dirty="0" smtClean="0"/>
+              <a:t>Open source library under Apache License version 2.0</a:t>
+            </a:r>
+          </a:p>
+          <a:p>
+            <a:r>
               <a:rPr lang="en-US" sz="2800" dirty="0"/>
-              <a:t>Step 1: Create a Twitter Developer Account</a:t>
-            </a:r>
-          </a:p>
-          <a:p>
+              <a:t>The Natural Language Toolkit (NLTK) </a:t>
+            </a:r>
+            <a:r>
+              <a:rPr lang="en-US" sz="2800" dirty="0" smtClean="0"/>
+              <a:t>provides</a:t>
+            </a:r>
+          </a:p>
+          <a:p>
+            <a:pPr lvl="1"/>
             <a:r>
               <a:rPr lang="en-US" sz="2800" dirty="0"/>
-              <a:t>Step 2: Create an Amazon S3 Bucket</a:t>
-            </a:r>
-          </a:p>
-          <a:p>
+              <a:t>Basic classes for representing data relevant to natural language processing.</a:t>
+            </a:r>
+          </a:p>
+          <a:p>
+            <a:pPr lvl="1"/>
             <a:r>
               <a:rPr lang="en-US" sz="2800" dirty="0"/>
-              <a:t>Step 3: Collect and Store the Sentiment Data</a:t>
-            </a:r>
-          </a:p>
-          <a:p>
+              <a:t>Standard interfaces for performing tasks, such as tokenization, tagging, and parsing.</a:t>
+            </a:r>
+          </a:p>
+          <a:p>
+            <a:pPr lvl="1"/>
             <a:r>
               <a:rPr lang="en-US" sz="2800" dirty="0"/>
-              <a:t>Step 4: Customize the Mapper</a:t>
-            </a:r>
-          </a:p>
-          <a:p>
-            <a:r>
-              <a:rPr lang="en-US" sz="2800" dirty="0"/>
-              <a:t>Step 5: Create an Amazon EMR Cluster</a:t>
-            </a:r>
-          </a:p>
-          <a:p>
-            <a:r>
-              <a:rPr lang="en-US" sz="2800" dirty="0"/>
-              <a:t>Step 6: Examine the Sentiment Analysis Output</a:t>
-            </a:r>
-          </a:p>
-          <a:p>
-            <a:r>
-              <a:rPr lang="en-US" sz="2800" dirty="0"/>
-              <a:t>Step 7: Clean Up</a:t>
-            </a:r>
-            <a:endParaRPr lang="en-US" sz="2800" dirty="0"/>
+              <a:t>Standard implementations of each task, which can be combined to solve complex problems.</a:t>
+            </a:r>
+            <a:r>
+              <a:rPr lang="en-US" sz="2400" dirty="0"/>
+              <a:t>	</a:t>
+            </a:r>
           </a:p>
         </p:txBody>
       </p:sp>
@@ -4094,8 +4224,12 @@
           <a:lstStyle/>
           <a:p>
             <a:r>
+              <a:rPr lang="en-US" dirty="0"/>
+              <a:t>Introduction to </a:t>
+            </a:r>
+            <a:r>
               <a:rPr lang="en-US" dirty="0" smtClean="0"/>
-              <a:t>Amazon sentimental analysis Tutorial</a:t>
+              <a:t>NLTK</a:t>
             </a:r>
             <a:endParaRPr lang="en-US" dirty="0"/>
           </a:p>
@@ -4104,7 +4238,7 @@
     </p:spTree>
     <p:extLst>
       <p:ext uri="{BB962C8B-B14F-4D97-AF65-F5344CB8AC3E}">
-        <p14:creationId xmlns:p14="http://schemas.microsoft.com/office/powerpoint/2010/main" val="710604447"/>
+        <p14:creationId xmlns:p14="http://schemas.microsoft.com/office/powerpoint/2010/main" val="2592493842"/>
       </p:ext>
     </p:extLst>
   </p:cSld>
@@ -4144,99 +4278,49 @@
         <p:spPr/>
         <p:txBody>
           <a:bodyPr>
-            <a:normAutofit/>
+            <a:noAutofit/>
           </a:bodyPr>
           <a:lstStyle/>
           <a:p>
             <a:r>
-              <a:rPr lang="en-US" sz="3200" dirty="0"/>
-              <a:t>Signup for </a:t>
-            </a:r>
-            <a:r>
-              <a:rPr lang="en-US" sz="3200" dirty="0">
-                <a:hlinkClick r:id="rId2"/>
-              </a:rPr>
-              <a:t>https://dev.twitter.com</a:t>
-            </a:r>
-            <a:r>
-              <a:rPr lang="en-US" sz="3200" dirty="0" smtClean="0">
-                <a:hlinkClick r:id="rId2"/>
-              </a:rPr>
-              <a:t>/</a:t>
-            </a:r>
-            <a:endParaRPr lang="en-US" sz="3200" dirty="0"/>
-          </a:p>
-          <a:p>
-            <a:r>
-              <a:rPr lang="en-US" sz="3200" dirty="0" smtClean="0"/>
-              <a:t>Create an application using twitter developer account at </a:t>
-            </a:r>
-            <a:r>
-              <a:rPr lang="en-US" sz="3200" dirty="0" smtClean="0">
-                <a:hlinkClick r:id="rId3"/>
-              </a:rPr>
-              <a:t>https</a:t>
-            </a:r>
-            <a:r>
-              <a:rPr lang="en-US" sz="3200" dirty="0">
-                <a:hlinkClick r:id="rId3"/>
-              </a:rPr>
-              <a:t>://apps.twitter.com</a:t>
-            </a:r>
-            <a:r>
-              <a:rPr lang="en-US" sz="3200" dirty="0" smtClean="0">
-                <a:hlinkClick r:id="rId3"/>
-              </a:rPr>
-              <a:t>/</a:t>
-            </a:r>
-            <a:endParaRPr lang="en-US" sz="3200" dirty="0" smtClean="0"/>
-          </a:p>
-          <a:p>
-            <a:r>
-              <a:rPr lang="en-US" sz="3200" dirty="0" smtClean="0"/>
-              <a:t>Get “</a:t>
-            </a:r>
-            <a:r>
-              <a:rPr lang="en-US" sz="3200" dirty="0"/>
-              <a:t>Consumer key</a:t>
-            </a:r>
-            <a:r>
-              <a:rPr lang="en-US" sz="3200" dirty="0"/>
-              <a:t>” and “Consumer secret</a:t>
-            </a:r>
-            <a:r>
-              <a:rPr lang="en-US" sz="3200" dirty="0" smtClean="0"/>
-              <a:t>”</a:t>
-            </a:r>
-          </a:p>
-          <a:p>
-            <a:r>
-              <a:rPr lang="en-US" sz="3200" dirty="0"/>
-              <a:t>Click on “Create my access token</a:t>
-            </a:r>
-            <a:r>
-              <a:rPr lang="en-US" sz="3200" dirty="0" smtClean="0"/>
-              <a:t>” </a:t>
-            </a:r>
-            <a:r>
-              <a:rPr lang="en-US" sz="3200" dirty="0"/>
-              <a:t>to get “Access </a:t>
-            </a:r>
-            <a:r>
-              <a:rPr lang="en-US" sz="3200" dirty="0" smtClean="0"/>
-              <a:t>token” </a:t>
-            </a:r>
-            <a:r>
-              <a:rPr lang="en-US" sz="3200" dirty="0"/>
-              <a:t>and </a:t>
-            </a:r>
-            <a:r>
-              <a:rPr lang="en-US" sz="3200" dirty="0" smtClean="0"/>
-              <a:t>“Access </a:t>
-            </a:r>
-            <a:r>
-              <a:rPr lang="en-US" sz="3200" dirty="0"/>
-              <a:t>token secret”</a:t>
+              <a:rPr lang="en-US" sz="2800" dirty="0"/>
+              <a:t>Step 1: Create a Twitter Developer Account</a:t>
+            </a:r>
+          </a:p>
+          <a:p>
+            <a:r>
+              <a:rPr lang="en-US" sz="2800" dirty="0"/>
+              <a:t>Step 2: Create an Amazon S3 Bucket</a:t>
+            </a:r>
+          </a:p>
+          <a:p>
+            <a:r>
+              <a:rPr lang="en-US" sz="2800" dirty="0"/>
+              <a:t>Step 3: Collect and Store the Sentiment Data</a:t>
+            </a:r>
+          </a:p>
+          <a:p>
+            <a:r>
+              <a:rPr lang="en-US" sz="2800" dirty="0"/>
+              <a:t>Step 4: Customize the Mapper</a:t>
+            </a:r>
+          </a:p>
+          <a:p>
+            <a:r>
+              <a:rPr lang="en-US" sz="2800" dirty="0"/>
+              <a:t>Step 5: Create an Amazon EMR Cluster</a:t>
+            </a:r>
+          </a:p>
+          <a:p>
+            <a:r>
+              <a:rPr lang="en-US" sz="2800" dirty="0"/>
+              <a:t>Step 6: Examine the Sentiment Analysis Output</a:t>
+            </a:r>
+          </a:p>
+          <a:p>
+            <a:r>
+              <a:rPr lang="en-US" sz="2800" dirty="0"/>
+              <a:t>Step 7: Clean Up</a:t>
             </a:r>
           </a:p>
         </p:txBody>
@@ -4257,20 +4341,8 @@
           <a:lstStyle/>
           <a:p>
             <a:r>
-              <a:rPr lang="en-US" dirty="0"/>
-              <a:t>Step 1: </a:t>
-            </a:r>
-            <a:r>
               <a:rPr lang="en-US" dirty="0" smtClean="0"/>
-              <a:t>Create </a:t>
-            </a:r>
-            <a:r>
-              <a:rPr lang="en-US" dirty="0"/>
-              <a:t>a Twitter Developer </a:t>
-            </a:r>
-            <a:r>
-              <a:rPr lang="en-US" dirty="0" smtClean="0"/>
-              <a:t>Account</a:t>
+              <a:t>Amazon sentimental analysis Tutorial</a:t>
             </a:r>
             <a:endParaRPr lang="en-US" dirty="0"/>
           </a:p>
@@ -4279,7 +4351,7 @@
     </p:spTree>
     <p:extLst>
       <p:ext uri="{BB962C8B-B14F-4D97-AF65-F5344CB8AC3E}">
-        <p14:creationId xmlns:p14="http://schemas.microsoft.com/office/powerpoint/2010/main" val="3535263269"/>
+        <p14:creationId xmlns:p14="http://schemas.microsoft.com/office/powerpoint/2010/main" val="710604447"/>
       </p:ext>
     </p:extLst>
   </p:cSld>
@@ -4308,34 +4380,7 @@
       </p:grpSpPr>
       <p:sp>
         <p:nvSpPr>
-          <p:cNvPr id="3" name="Title 2"/>
-          <p:cNvSpPr>
-            <a:spLocks noGrp="1"/>
-          </p:cNvSpPr>
-          <p:nvPr>
-            <p:ph type="title"/>
-          </p:nvPr>
-        </p:nvSpPr>
-        <p:spPr/>
-        <p:txBody>
-          <a:bodyPr/>
-          <a:lstStyle/>
-          <a:p>
-            <a:r>
-              <a:rPr lang="en-US" dirty="0"/>
-              <a:t>Step 2: Create an Amazon S3 </a:t>
-            </a:r>
-            <a:r>
-              <a:rPr lang="en-US" dirty="0" smtClean="0"/>
-              <a:t>Bucket</a:t>
-            </a:r>
-            <a:endParaRPr lang="en-US" dirty="0"/>
-          </a:p>
-        </p:txBody>
-      </p:sp>
-      <p:sp>
-        <p:nvSpPr>
-          <p:cNvPr id="5" name="Content Placeholder 4"/>
+          <p:cNvPr id="2" name="Content Placeholder 1"/>
           <p:cNvSpPr>
             <a:spLocks noGrp="1"/>
           </p:cNvSpPr>
@@ -4345,50 +4390,131 @@
         </p:nvSpPr>
         <p:spPr/>
         <p:txBody>
-          <a:bodyPr/>
-          <a:lstStyle/>
-          <a:p>
+          <a:bodyPr>
+            <a:normAutofit/>
+          </a:bodyPr>
+          <a:lstStyle/>
+          <a:p>
+            <a:r>
+              <a:rPr lang="en-US" sz="3200" dirty="0"/>
+              <a:t>Signup for </a:t>
+            </a:r>
             <a:r>
               <a:rPr lang="en-US" sz="3200" dirty="0">
                 <a:hlinkClick r:id="rId2"/>
               </a:rPr>
-              <a:t>https://console.aws.amazon.com/console/home?region=us-east-</a:t>
+              <a:t>https://dev.twitter.com</a:t>
             </a:r>
             <a:r>
               <a:rPr lang="en-US" sz="3200" dirty="0" smtClean="0">
                 <a:hlinkClick r:id="rId2"/>
               </a:rPr>
-              <a:t>1</a:t>
+              <a:t>/</a:t>
+            </a:r>
+            <a:endParaRPr lang="en-US" sz="3200" dirty="0"/>
+          </a:p>
+          <a:p>
+            <a:r>
+              <a:rPr lang="en-US" sz="3200" dirty="0" smtClean="0"/>
+              <a:t>Create an application using twitter developer account at </a:t>
+            </a:r>
+            <a:r>
+              <a:rPr lang="en-US" sz="3200" dirty="0" smtClean="0">
+                <a:hlinkClick r:id="rId3"/>
+              </a:rPr>
+              <a:t>https</a:t>
+            </a:r>
+            <a:r>
+              <a:rPr lang="en-US" sz="3200" dirty="0">
+                <a:hlinkClick r:id="rId3"/>
+              </a:rPr>
+              <a:t>://apps.twitter.com</a:t>
+            </a:r>
+            <a:r>
+              <a:rPr lang="en-US" sz="3200" dirty="0" smtClean="0">
+                <a:hlinkClick r:id="rId3"/>
+              </a:rPr>
+              <a:t>/</a:t>
             </a:r>
             <a:endParaRPr lang="en-US" sz="3200" dirty="0" smtClean="0"/>
           </a:p>
           <a:p>
             <a:r>
               <a:rPr lang="en-US" sz="3200" dirty="0" smtClean="0"/>
+              <a:t>Get “</a:t>
+            </a:r>
+            <a:r>
+              <a:rPr lang="en-US" sz="3200" dirty="0"/>
+              <a:t>Consumer key” and “Consumer secret</a:t>
+            </a:r>
+            <a:r>
+              <a:rPr lang="en-US" sz="3200" dirty="0" smtClean="0"/>
+              <a:t>”</a:t>
+            </a:r>
+          </a:p>
+          <a:p>
+            <a:r>
+              <a:rPr lang="en-US" sz="3200" dirty="0"/>
+              <a:t>Click on “Create my access token</a:t>
+            </a:r>
+            <a:r>
+              <a:rPr lang="en-US" sz="3200" dirty="0" smtClean="0"/>
+              <a:t>” </a:t>
+            </a:r>
+            <a:r>
+              <a:rPr lang="en-US" sz="3200" dirty="0"/>
+              <a:t>to get “Access </a:t>
+            </a:r>
+            <a:r>
+              <a:rPr lang="en-US" sz="3200" dirty="0" smtClean="0"/>
+              <a:t>token” </a:t>
+            </a:r>
+            <a:r>
+              <a:rPr lang="en-US" sz="3200" dirty="0"/>
+              <a:t>and </a:t>
+            </a:r>
+            <a:r>
+              <a:rPr lang="en-US" sz="3200" dirty="0" smtClean="0"/>
+              <a:t>“Access </a:t>
+            </a:r>
+            <a:r>
+              <a:rPr lang="en-US" sz="3200" dirty="0"/>
+              <a:t>token secret”</a:t>
+            </a:r>
+          </a:p>
+        </p:txBody>
+      </p:sp>
+      <p:sp>
+        <p:nvSpPr>
+          <p:cNvPr id="3" name="Title 2"/>
+          <p:cNvSpPr>
+            <a:spLocks noGrp="1"/>
+          </p:cNvSpPr>
+          <p:nvPr>
+            <p:ph type="title"/>
+          </p:nvPr>
+        </p:nvSpPr>
+        <p:spPr/>
+        <p:txBody>
+          <a:bodyPr/>
+          <a:lstStyle/>
+          <a:p>
+            <a:r>
+              <a:rPr lang="en-US" dirty="0"/>
+              <a:t>Step 1: </a:t>
+            </a:r>
+            <a:r>
+              <a:rPr lang="en-US" dirty="0" smtClean="0"/>
               <a:t>Create </a:t>
             </a:r>
             <a:r>
-              <a:rPr lang="en-US" sz="3200" dirty="0"/>
-              <a:t>N</a:t>
-            </a:r>
-            <a:r>
-              <a:rPr lang="en-US" sz="3200" dirty="0" smtClean="0"/>
-              <a:t>ew Bucket</a:t>
-            </a:r>
-          </a:p>
-          <a:p>
-            <a:r>
-              <a:rPr lang="en-US" sz="3200" dirty="0" smtClean="0"/>
-              <a:t>Create New project folder, under it create 2 folders for mapper and input</a:t>
-            </a:r>
-          </a:p>
-          <a:p>
-            <a:r>
-              <a:rPr lang="en-US" sz="3200" dirty="0" smtClean="0"/>
-              <a:t>Make these folders public</a:t>
-            </a:r>
-          </a:p>
-          <a:p>
+              <a:rPr lang="en-US" dirty="0"/>
+              <a:t>a Twitter Developer </a:t>
+            </a:r>
+            <a:r>
+              <a:rPr lang="en-US" dirty="0" smtClean="0"/>
+              <a:t>Account</a:t>
+            </a:r>
             <a:endParaRPr lang="en-US" dirty="0"/>
           </a:p>
         </p:txBody>
@@ -4396,7 +4522,7 @@
     </p:spTree>
     <p:extLst>
       <p:ext uri="{BB962C8B-B14F-4D97-AF65-F5344CB8AC3E}">
-        <p14:creationId xmlns:p14="http://schemas.microsoft.com/office/powerpoint/2010/main" val="1972547475"/>
+        <p14:creationId xmlns:p14="http://schemas.microsoft.com/office/powerpoint/2010/main" val="3535263269"/>
       </p:ext>
     </p:extLst>
   </p:cSld>
@@ -4425,7 +4551,34 @@
       </p:grpSpPr>
       <p:sp>
         <p:nvSpPr>
-          <p:cNvPr id="2" name="Content Placeholder 1"/>
+          <p:cNvPr id="3" name="Title 2"/>
+          <p:cNvSpPr>
+            <a:spLocks noGrp="1"/>
+          </p:cNvSpPr>
+          <p:nvPr>
+            <p:ph type="title"/>
+          </p:nvPr>
+        </p:nvSpPr>
+        <p:spPr/>
+        <p:txBody>
+          <a:bodyPr/>
+          <a:lstStyle/>
+          <a:p>
+            <a:r>
+              <a:rPr lang="en-US" dirty="0"/>
+              <a:t>Step 2: Create an Amazon S3 </a:t>
+            </a:r>
+            <a:r>
+              <a:rPr lang="en-US" dirty="0" smtClean="0"/>
+              <a:t>Bucket</a:t>
+            </a:r>
+            <a:endParaRPr lang="en-US" dirty="0"/>
+          </a:p>
+        </p:txBody>
+      </p:sp>
+      <p:sp>
+        <p:nvSpPr>
+          <p:cNvPr id="5" name="Content Placeholder 4"/>
           <p:cNvSpPr>
             <a:spLocks noGrp="1"/>
           </p:cNvSpPr>
@@ -4435,142 +4588,50 @@
         </p:nvSpPr>
         <p:spPr/>
         <p:txBody>
-          <a:bodyPr>
-            <a:noAutofit/>
-          </a:bodyPr>
-          <a:lstStyle/>
-          <a:p>
-            <a:r>
-              <a:rPr lang="en-US" sz="2400" dirty="0"/>
-              <a:t>Create </a:t>
-            </a:r>
-            <a:r>
-              <a:rPr lang="en-US" sz="2400" dirty="0" smtClean="0"/>
-              <a:t>“AWS </a:t>
-            </a:r>
-            <a:r>
-              <a:rPr lang="en-US" sz="2400" dirty="0" err="1" smtClean="0"/>
-              <a:t>CloudFormation</a:t>
-            </a:r>
-            <a:r>
-              <a:rPr lang="en-US" sz="2400" dirty="0" smtClean="0"/>
-              <a:t>”</a:t>
-            </a:r>
-          </a:p>
-          <a:p>
-            <a:r>
-              <a:rPr lang="en-US" sz="2400" dirty="0"/>
-              <a:t>Use template </a:t>
-            </a:r>
-            <a:r>
-              <a:rPr lang="en-US" sz="2400" dirty="0" smtClean="0">
+          <a:bodyPr/>
+          <a:lstStyle/>
+          <a:p>
+            <a:r>
+              <a:rPr lang="en-US" sz="3200" dirty="0">
                 <a:hlinkClick r:id="rId2"/>
               </a:rPr>
-              <a:t>https</a:t>
-            </a:r>
-            <a:r>
-              <a:rPr lang="en-US" sz="2400" dirty="0">
+              <a:t>https://console.aws.amazon.com/console/home?region=us-east-</a:t>
+            </a:r>
+            <a:r>
+              <a:rPr lang="en-US" sz="3200" dirty="0" smtClean="0">
                 <a:hlinkClick r:id="rId2"/>
               </a:rPr>
-              <a:t>://s3.amazonaws.com/awsdocs/gettingstarted/latest/sentiment/</a:t>
-            </a:r>
-            <a:r>
-              <a:rPr lang="en-US" sz="2400" dirty="0" smtClean="0">
-                <a:hlinkClick r:id="rId2"/>
-              </a:rPr>
-              <a:t>sentimentGSG.template</a:t>
-            </a:r>
-            <a:endParaRPr lang="en-US" sz="2400" dirty="0" smtClean="0"/>
-          </a:p>
-          <a:p>
-            <a:r>
-              <a:rPr lang="en-US" sz="2400" dirty="0" smtClean="0"/>
-              <a:t>Create a key </a:t>
-            </a:r>
-            <a:r>
-              <a:rPr lang="en-US" sz="2400" dirty="0"/>
-              <a:t>pair in </a:t>
-            </a:r>
-            <a:r>
-              <a:rPr lang="en-US" sz="2400" dirty="0" smtClean="0"/>
-              <a:t>“US </a:t>
-            </a:r>
-            <a:r>
-              <a:rPr lang="en-US" sz="2400" dirty="0"/>
-              <a:t>East (N. Virginia) </a:t>
-            </a:r>
-            <a:r>
-              <a:rPr lang="en-US" sz="2400" dirty="0" smtClean="0"/>
-              <a:t>region”</a:t>
-            </a:r>
-          </a:p>
-          <a:p>
-            <a:r>
-              <a:rPr lang="en-US" sz="2400" dirty="0" smtClean="0"/>
-              <a:t>A new EC2 instance will be created</a:t>
-            </a:r>
-          </a:p>
-          <a:p>
-            <a:r>
-              <a:rPr lang="en-US" sz="2400" dirty="0" smtClean="0"/>
-              <a:t>Collect tweets using the new instance and </a:t>
-            </a:r>
-          </a:p>
-          <a:p>
-            <a:r>
-              <a:rPr lang="en-US" sz="2400" dirty="0"/>
-              <a:t>python </a:t>
-            </a:r>
-            <a:r>
-              <a:rPr lang="en-US" sz="2400" dirty="0" err="1"/>
-              <a:t>collector.py</a:t>
-            </a:r>
-            <a:r>
-              <a:rPr lang="en-US" sz="2400" dirty="0"/>
-              <a:t> </a:t>
-            </a:r>
-            <a:r>
-              <a:rPr lang="en-US" sz="2400" dirty="0" smtClean="0"/>
-              <a:t>term1</a:t>
-            </a:r>
-          </a:p>
-          <a:p>
-            <a:r>
-              <a:rPr lang="en-US" sz="2400" dirty="0" smtClean="0"/>
-              <a:t>Copy the collected data to your S3 folder.</a:t>
-            </a:r>
-          </a:p>
-          <a:p>
-            <a:r>
-              <a:rPr lang="en-US" sz="2400" dirty="0"/>
-              <a:t>s3cmd put tweet-file s3://your-bucket/input/</a:t>
-            </a:r>
-          </a:p>
-        </p:txBody>
-      </p:sp>
-      <p:sp>
-        <p:nvSpPr>
-          <p:cNvPr id="3" name="Title 2"/>
-          <p:cNvSpPr>
-            <a:spLocks noGrp="1"/>
-          </p:cNvSpPr>
-          <p:nvPr>
-            <p:ph type="title"/>
-          </p:nvPr>
-        </p:nvSpPr>
-        <p:spPr/>
-        <p:txBody>
-          <a:bodyPr/>
-          <a:lstStyle/>
-          <a:p>
-            <a:r>
-              <a:rPr lang="en-US" dirty="0"/>
-              <a:t>Step 3: Collect and Store the Sentiment </a:t>
-            </a:r>
-            <a:r>
-              <a:rPr lang="en-US" dirty="0" smtClean="0"/>
-              <a:t>Data</a:t>
-            </a:r>
+              <a:t>1</a:t>
+            </a:r>
+            <a:endParaRPr lang="en-US" sz="3200" dirty="0" smtClean="0"/>
+          </a:p>
+          <a:p>
+            <a:r>
+              <a:rPr lang="en-US" sz="3200" dirty="0" smtClean="0"/>
+              <a:t>Create </a:t>
+            </a:r>
+            <a:r>
+              <a:rPr lang="en-US" sz="3200" dirty="0"/>
+              <a:t>N</a:t>
+            </a:r>
+            <a:r>
+              <a:rPr lang="en-US" sz="3200" dirty="0" smtClean="0"/>
+              <a:t>ew Bucket</a:t>
+            </a:r>
+          </a:p>
+          <a:p>
+            <a:r>
+              <a:rPr lang="en-US" sz="3200" dirty="0" smtClean="0"/>
+              <a:t>Create New project folder, under it create 2 folders for mapper and input</a:t>
+            </a:r>
+          </a:p>
+          <a:p>
+            <a:r>
+              <a:rPr lang="en-US" sz="3200" dirty="0" smtClean="0"/>
+              <a:t>Make these folders public</a:t>
+            </a:r>
+          </a:p>
+          <a:p>
             <a:endParaRPr lang="en-US" dirty="0"/>
           </a:p>
         </p:txBody>
@@ -4578,7 +4639,7 @@
     </p:spTree>
     <p:extLst>
       <p:ext uri="{BB962C8B-B14F-4D97-AF65-F5344CB8AC3E}">
-        <p14:creationId xmlns:p14="http://schemas.microsoft.com/office/powerpoint/2010/main" val="12742307"/>
+        <p14:creationId xmlns:p14="http://schemas.microsoft.com/office/powerpoint/2010/main" val="1972547475"/>
       </p:ext>
     </p:extLst>
   </p:cSld>
@@ -4617,30 +4678,116 @@
         </p:nvSpPr>
         <p:spPr/>
         <p:txBody>
-          <a:bodyPr/>
-          <a:lstStyle/>
-          <a:p>
-            <a:r>
-              <a:rPr lang="en-US" sz="3200" dirty="0"/>
-              <a:t>Mapper provided “</a:t>
-            </a:r>
-            <a:r>
-              <a:rPr lang="en-US" sz="3200" dirty="0" err="1"/>
-              <a:t>sentiment.py</a:t>
-            </a:r>
-            <a:r>
-              <a:rPr lang="en-US" sz="3200" dirty="0" smtClean="0"/>
-              <a:t>” – replace the term you are looking for</a:t>
-            </a:r>
-          </a:p>
-          <a:p>
-            <a:r>
-              <a:rPr lang="en-US" sz="3200" dirty="0" smtClean="0"/>
-              <a:t>Upload the mapper to the “mapper” we created in the S3 bucket</a:t>
-            </a:r>
-          </a:p>
-          <a:p>
-            <a:endParaRPr lang="en-US" dirty="0"/>
+          <a:bodyPr>
+            <a:noAutofit/>
+          </a:bodyPr>
+          <a:lstStyle/>
+          <a:p>
+            <a:r>
+              <a:rPr lang="en-US" sz="2400" dirty="0"/>
+              <a:t>Create </a:t>
+            </a:r>
+            <a:r>
+              <a:rPr lang="en-US" sz="2400" dirty="0" smtClean="0"/>
+              <a:t>“AWS </a:t>
+            </a:r>
+            <a:r>
+              <a:rPr lang="en-US" sz="2400" dirty="0" err="1" smtClean="0"/>
+              <a:t>CloudFormation</a:t>
+            </a:r>
+            <a:r>
+              <a:rPr lang="en-US" sz="2400" dirty="0" smtClean="0"/>
+              <a:t>”</a:t>
+            </a:r>
+          </a:p>
+          <a:p>
+            <a:r>
+              <a:rPr lang="en-US" sz="2400" dirty="0"/>
+              <a:t>Use template </a:t>
+            </a:r>
+            <a:r>
+              <a:rPr lang="en-US" sz="2400" dirty="0" smtClean="0">
+                <a:hlinkClick r:id="rId2"/>
+              </a:rPr>
+              <a:t>https</a:t>
+            </a:r>
+            <a:r>
+              <a:rPr lang="en-US" sz="2400" dirty="0">
+                <a:hlinkClick r:id="rId2"/>
+              </a:rPr>
+              <a:t>://s3.amazonaws.com/awsdocs/gettingstarted/latest/sentiment/</a:t>
+            </a:r>
+            <a:r>
+              <a:rPr lang="en-US" sz="2400" dirty="0" smtClean="0">
+                <a:hlinkClick r:id="rId2"/>
+              </a:rPr>
+              <a:t>sentimentGSG.template</a:t>
+            </a:r>
+            <a:endParaRPr lang="en-US" sz="2400" dirty="0" smtClean="0"/>
+          </a:p>
+          <a:p>
+            <a:r>
+              <a:rPr lang="en-US" sz="2400" dirty="0" smtClean="0"/>
+              <a:t>Create a key </a:t>
+            </a:r>
+            <a:r>
+              <a:rPr lang="en-US" sz="2400" dirty="0"/>
+              <a:t>pair in </a:t>
+            </a:r>
+            <a:r>
+              <a:rPr lang="en-US" sz="2400" dirty="0" smtClean="0"/>
+              <a:t>“US </a:t>
+            </a:r>
+            <a:r>
+              <a:rPr lang="en-US" sz="2400" dirty="0"/>
+              <a:t>East (N. Virginia) </a:t>
+            </a:r>
+            <a:r>
+              <a:rPr lang="en-US" sz="2400" dirty="0" smtClean="0"/>
+              <a:t>region”</a:t>
+            </a:r>
+          </a:p>
+          <a:p>
+            <a:r>
+              <a:rPr lang="en-US" sz="2400" dirty="0" smtClean="0"/>
+              <a:t>A new EC2 instance will be created</a:t>
+            </a:r>
+          </a:p>
+          <a:p>
+            <a:r>
+              <a:rPr lang="en-US" sz="2400" dirty="0" smtClean="0"/>
+              <a:t>Collect tweets using the new instance and </a:t>
+            </a:r>
+          </a:p>
+          <a:p>
+            <a:r>
+              <a:rPr lang="en-US" sz="2400" dirty="0"/>
+              <a:t>python </a:t>
+            </a:r>
+            <a:r>
+              <a:rPr lang="en-US" sz="2400" dirty="0" err="1"/>
+              <a:t>collector.py</a:t>
+            </a:r>
+            <a:r>
+              <a:rPr lang="en-US" sz="2400" dirty="0"/>
+              <a:t> </a:t>
+            </a:r>
+            <a:r>
+              <a:rPr lang="en-US" sz="2400" dirty="0" smtClean="0"/>
+              <a:t>term1</a:t>
+            </a:r>
+          </a:p>
+          <a:p>
+            <a:r>
+              <a:rPr lang="en-US" sz="2400" dirty="0" smtClean="0"/>
+              <a:t>Copy the collected data to your S3 folder.</a:t>
+            </a:r>
+          </a:p>
+          <a:p>
+            <a:r>
+              <a:rPr lang="en-US" sz="2400" dirty="0"/>
+              <a:t>s3cmd put tweet-file s3://your-bucket/input/</a:t>
+            </a:r>
           </a:p>
         </p:txBody>
       </p:sp>
@@ -4661,11 +4808,11 @@
           <a:p>
             <a:r>
               <a:rPr lang="en-US" dirty="0"/>
-              <a:t>Step 4: Customize the </a:t>
+              <a:t>Step 3: Collect and Store the Sentiment </a:t>
             </a:r>
             <a:r>
               <a:rPr lang="en-US" dirty="0" smtClean="0"/>
-              <a:t>Mapper</a:t>
+              <a:t>Data</a:t>
             </a:r>
             <a:endParaRPr lang="en-US" dirty="0"/>
           </a:p>
@@ -4674,7 +4821,7 @@
     </p:spTree>
     <p:extLst>
       <p:ext uri="{BB962C8B-B14F-4D97-AF65-F5344CB8AC3E}">
-        <p14:creationId xmlns:p14="http://schemas.microsoft.com/office/powerpoint/2010/main" val="2284735633"/>
+        <p14:creationId xmlns:p14="http://schemas.microsoft.com/office/powerpoint/2010/main" val="12742307"/>
       </p:ext>
     </p:extLst>
   </p:cSld>
@@ -4713,63 +4860,30 @@
         </p:nvSpPr>
         <p:spPr/>
         <p:txBody>
-          <a:bodyPr>
-            <a:noAutofit/>
-          </a:bodyPr>
-          <a:lstStyle/>
-          <a:p>
-            <a:r>
-              <a:rPr lang="en-US" sz="2400" dirty="0" smtClean="0"/>
-              <a:t>Software Configuration – Use default </a:t>
-            </a:r>
-            <a:r>
-              <a:rPr lang="en-US" sz="2400" dirty="0" err="1" smtClean="0"/>
-              <a:t>Hadoop</a:t>
-            </a:r>
-            <a:r>
-              <a:rPr lang="en-US" sz="2400" dirty="0"/>
-              <a:t> distribution: Amazon and select AMI version </a:t>
-            </a:r>
-            <a:r>
-              <a:rPr lang="en-US" sz="2400" dirty="0" smtClean="0"/>
-              <a:t>3.4.0, uncheck all other </a:t>
-            </a:r>
-            <a:r>
-              <a:rPr lang="en-US" sz="2400" dirty="0" err="1" smtClean="0"/>
-              <a:t>softwares</a:t>
-            </a:r>
-            <a:endParaRPr lang="en-US" sz="2400" dirty="0" smtClean="0"/>
-          </a:p>
-          <a:p>
-            <a:r>
-              <a:rPr lang="en-US" sz="2400" dirty="0" smtClean="0"/>
-              <a:t>Hardware Configuration – Select number of instances required</a:t>
-            </a:r>
-          </a:p>
-          <a:p>
-            <a:r>
-              <a:rPr lang="en-US" sz="2400" dirty="0" smtClean="0"/>
-              <a:t>Use EC2 Key Pair</a:t>
-            </a:r>
-          </a:p>
-          <a:p>
-            <a:r>
-              <a:rPr lang="en-US" sz="2400" dirty="0" smtClean="0"/>
-              <a:t>Bootstrap Actions – Shell scripts</a:t>
-            </a:r>
-          </a:p>
-          <a:p>
-            <a:r>
-              <a:rPr lang="en-US" sz="2400" dirty="0" smtClean="0"/>
-              <a:t>Add steps and configure it to use the mapper and reducer type “aggregation”, choose the input &amp; output folders</a:t>
-            </a:r>
-          </a:p>
-          <a:p>
-            <a:r>
-              <a:rPr lang="en-US" sz="2400" dirty="0" smtClean="0"/>
-              <a:t>Output folder is the folder path that the program will be creating</a:t>
-            </a:r>
-            <a:endParaRPr lang="en-US" sz="2400" dirty="0"/>
+          <a:bodyPr/>
+          <a:lstStyle/>
+          <a:p>
+            <a:r>
+              <a:rPr lang="en-US" sz="3200" dirty="0"/>
+              <a:t>Mapper provided “</a:t>
+            </a:r>
+            <a:r>
+              <a:rPr lang="en-US" sz="3200" dirty="0" err="1"/>
+              <a:t>sentiment.py</a:t>
+            </a:r>
+            <a:r>
+              <a:rPr lang="en-US" sz="3200" dirty="0" smtClean="0"/>
+              <a:t>” – replace the term you are looking for</a:t>
+            </a:r>
+          </a:p>
+          <a:p>
+            <a:r>
+              <a:rPr lang="en-US" sz="3200" dirty="0" smtClean="0"/>
+              <a:t>Upload the mapper to the “mapper” we created in the S3 bucket</a:t>
+            </a:r>
+          </a:p>
+          <a:p>
+            <a:endParaRPr lang="en-US" dirty="0"/>
           </a:p>
         </p:txBody>
       </p:sp>
@@ -4790,19 +4904,12 @@
           <a:p>
             <a:r>
               <a:rPr lang="en-US" dirty="0"/>
-              <a:t>Step 5: Create an Amazon EMR </a:t>
+              <a:t>Step 4: Customize the </a:t>
             </a:r>
             <a:r>
               <a:rPr lang="en-US" dirty="0" smtClean="0"/>
-              <a:t>Cluster</a:t>
-            </a:r>
-            <a:r>
-              <a:rPr lang="en-US" dirty="0"/>
-              <a:t/>
-            </a:r>
-            <a:br>
-              <a:rPr lang="en-US" dirty="0"/>
-            </a:br>
+              <a:t>Mapper</a:t>
+            </a:r>
             <a:endParaRPr lang="en-US" dirty="0"/>
           </a:p>
         </p:txBody>
@@ -4810,7 +4917,7 @@
     </p:spTree>
     <p:extLst>
       <p:ext uri="{BB962C8B-B14F-4D97-AF65-F5344CB8AC3E}">
-        <p14:creationId xmlns:p14="http://schemas.microsoft.com/office/powerpoint/2010/main" val="1879499448"/>
+        <p14:creationId xmlns:p14="http://schemas.microsoft.com/office/powerpoint/2010/main" val="2284735633"/>
       </p:ext>
     </p:extLst>
   </p:cSld>
@@ -4850,56 +4957,60 @@
         <p:spPr/>
         <p:txBody>
           <a:bodyPr>
-            <a:normAutofit/>
+            <a:noAutofit/>
           </a:bodyPr>
           <a:lstStyle/>
           <a:p>
             <a:r>
               <a:rPr lang="en-US" sz="2400" dirty="0" smtClean="0"/>
-              <a:t>After the program is run, the EMR cluster will be terminated</a:t>
-            </a:r>
-          </a:p>
-          <a:p>
+              <a:t>Software Configuration – Use default </a:t>
+            </a:r>
+            <a:r>
+              <a:rPr lang="en-US" sz="2400" dirty="0" err="1" smtClean="0"/>
+              <a:t>Hadoop</a:t>
+            </a:r>
+            <a:r>
+              <a:rPr lang="en-US" sz="2400" dirty="0"/>
+              <a:t> distribution: Amazon and select AMI version </a:t>
+            </a:r>
             <a:r>
               <a:rPr lang="en-US" sz="2400" dirty="0" smtClean="0"/>
-              <a:t>The output folder in the S3 bucket will have the results</a:t>
-            </a:r>
-          </a:p>
-          <a:p>
-            <a:pPr lvl="1"/>
-            <a:r>
-              <a:rPr lang="en-US" sz="2400" dirty="0"/>
-              <a:t>_SUCCESS and several part-</a:t>
+              <a:t>3.4.0, uncheck all other </a:t>
             </a:r>
             <a:r>
               <a:rPr lang="en-US" sz="2400" dirty="0" err="1" smtClean="0"/>
-              <a:t>xxxxx</a:t>
+              <a:t>softwares</a:t>
             </a:r>
             <a:endParaRPr lang="en-US" sz="2400" dirty="0" smtClean="0"/>
           </a:p>
           <a:p>
-            <a:pPr lvl="1"/>
-            <a:endParaRPr lang="en-US" sz="2400" dirty="0" smtClean="0"/>
-          </a:p>
-          <a:p>
-            <a:pPr lvl="1"/>
-            <a:r>
-              <a:rPr lang="en-US" sz="2400" dirty="0"/>
-              <a:t>kindle: negative      13</a:t>
-            </a:r>
-          </a:p>
-          <a:p>
-            <a:pPr lvl="1"/>
-            <a:r>
-              <a:rPr lang="en-US" sz="2400" dirty="0"/>
-              <a:t>kindle: positive     479</a:t>
-            </a:r>
-          </a:p>
-          <a:p>
-            <a:pPr lvl="1"/>
-            <a:r>
-              <a:rPr lang="pt-BR" sz="2400" dirty="0"/>
-              <a:t>No match:              8</a:t>
+            <a:r>
+              <a:rPr lang="en-US" sz="2400" dirty="0" smtClean="0"/>
+              <a:t>Hardware Configuration – Select number of instances required</a:t>
+            </a:r>
+          </a:p>
+          <a:p>
+            <a:r>
+              <a:rPr lang="en-US" sz="2400" dirty="0" smtClean="0"/>
+              <a:t>Use EC2 Key Pair</a:t>
+            </a:r>
+          </a:p>
+          <a:p>
+            <a:r>
+              <a:rPr lang="en-US" sz="2400" dirty="0" smtClean="0"/>
+              <a:t>Bootstrap Actions – Shell scripts</a:t>
+            </a:r>
+          </a:p>
+          <a:p>
+            <a:r>
+              <a:rPr lang="en-US" sz="2400" dirty="0" smtClean="0"/>
+              <a:t>Add steps and configure it to use the mapper and reducer type “aggregation”, choose the input &amp; output folders</a:t>
+            </a:r>
+          </a:p>
+          <a:p>
+            <a:r>
+              <a:rPr lang="en-US" sz="2400" dirty="0" smtClean="0"/>
+              <a:t>Output folder is the folder path that the program will be creating</a:t>
             </a:r>
             <a:endParaRPr lang="en-US" sz="2400" dirty="0"/>
           </a:p>
@@ -4922,12 +5033,19 @@
           <a:p>
             <a:r>
               <a:rPr lang="en-US" dirty="0"/>
-              <a:t>Step 6: Examine the Sentiment Analysis </a:t>
+              <a:t>Step 5: Create an Amazon EMR </a:t>
             </a:r>
             <a:r>
               <a:rPr lang="en-US" dirty="0" smtClean="0"/>
-              <a:t>Output</a:t>
-            </a:r>
+              <a:t>Cluster</a:t>
+            </a:r>
+            <a:r>
+              <a:rPr lang="en-US" dirty="0"/>
+              <a:t/>
+            </a:r>
+            <a:br>
+              <a:rPr lang="en-US" dirty="0"/>
+            </a:br>
             <a:endParaRPr lang="en-US" dirty="0"/>
           </a:p>
         </p:txBody>
@@ -4935,7 +5053,7 @@
     </p:spTree>
     <p:extLst>
       <p:ext uri="{BB962C8B-B14F-4D97-AF65-F5344CB8AC3E}">
-        <p14:creationId xmlns:p14="http://schemas.microsoft.com/office/powerpoint/2010/main" val="1307588714"/>
+        <p14:creationId xmlns:p14="http://schemas.microsoft.com/office/powerpoint/2010/main" val="1879499448"/>
       </p:ext>
     </p:extLst>
   </p:cSld>
